--- a/slides/3.2 Event Masking Latent Models.pptx
+++ b/slides/3.2 Event Masking Latent Models.pptx
@@ -203,7 +203,7 @@
           <a:p>
             <a:fld id="{A0C1F70C-5BF6-43D2-96A0-6511110BD68E}" type="datetimeFigureOut">
               <a:rPr lang="en-US" smtClean="0"/>
-              <a:t>11/3/2021</a:t>
+              <a:t>11/11/2021</a:t>
             </a:fld>
             <a:endParaRPr lang="en-US"/>
           </a:p>
@@ -2365,7 +2365,7 @@
           <a:p>
             <a:fld id="{D56A5F13-4F86-5646-9B99-A42325757066}" type="datetime1">
               <a:rPr lang="en-US" smtClean="0"/>
-              <a:t>11/3/2021</a:t>
+              <a:t>11/11/2021</a:t>
             </a:fld>
             <a:endParaRPr lang="en-US"/>
           </a:p>
@@ -2654,7 +2654,7 @@
           <a:p>
             <a:fld id="{34C8E77E-B710-C741-B9C3-BDFAF2BD28F5}" type="datetime1">
               <a:rPr lang="en-US" smtClean="0"/>
-              <a:t>11/3/2021</a:t>
+              <a:t>11/11/2021</a:t>
             </a:fld>
             <a:endParaRPr lang="en-US"/>
           </a:p>
@@ -2943,7 +2943,7 @@
           <a:p>
             <a:fld id="{3CC70E32-BC87-A748-B8DC-BBE1A8E155BB}" type="datetime1">
               <a:rPr lang="en-US" smtClean="0"/>
-              <a:t>11/3/2021</a:t>
+              <a:t>11/11/2021</a:t>
             </a:fld>
             <a:endParaRPr lang="en-US"/>
           </a:p>
@@ -3232,7 +3232,7 @@
           <a:p>
             <a:fld id="{FF80D806-2732-D74C-AA54-685EF616F24A}" type="datetime1">
               <a:rPr lang="en-US" smtClean="0"/>
-              <a:t>11/3/2021</a:t>
+              <a:t>11/11/2021</a:t>
             </a:fld>
             <a:endParaRPr lang="en-US"/>
           </a:p>
@@ -3469,7 +3469,7 @@
           <a:p>
             <a:fld id="{7EE62EE2-D39B-DB40-8504-5F31AB3A7B1B}" type="datetime1">
               <a:rPr lang="en-US" smtClean="0"/>
-              <a:t>11/3/2021</a:t>
+              <a:t>11/11/2021</a:t>
             </a:fld>
             <a:endParaRPr lang="en-US"/>
           </a:p>
@@ -3926,7 +3926,7 @@
           <a:p>
             <a:fld id="{F2C6AE98-BAC0-8443-BBA0-C97A4F30D31A}" type="datetime1">
               <a:rPr lang="en-US" smtClean="0"/>
-              <a:t>11/3/2021</a:t>
+              <a:t>11/11/2021</a:t>
             </a:fld>
             <a:endParaRPr lang="en-US"/>
           </a:p>
@@ -4194,7 +4194,7 @@
           <a:p>
             <a:fld id="{88DBBF51-3929-3A49-BA7D-3AF73092A0AD}" type="datetime1">
               <a:rPr lang="en-US" smtClean="0"/>
-              <a:t>11/3/2021</a:t>
+              <a:t>11/11/2021</a:t>
             </a:fld>
             <a:endParaRPr lang="en-US"/>
           </a:p>
@@ -4392,7 +4392,7 @@
           <a:p>
             <a:fld id="{36C5C674-12AF-41F5-BDE5-1132B29F8CB8}" type="datetime1">
               <a:rPr lang="en-US" smtClean="0"/>
-              <a:t>11/3/2021</a:t>
+              <a:t>11/11/2021</a:t>
             </a:fld>
             <a:endParaRPr lang="en-US"/>
           </a:p>
@@ -6765,7 +6765,7 @@
           <a:p>
             <a:fld id="{3D457031-A04F-0040-B79E-439CA9E02781}" type="datetime1">
               <a:rPr lang="en-US" smtClean="0"/>
-              <a:t>11/3/2021</a:t>
+              <a:t>11/11/2021</a:t>
             </a:fld>
             <a:endParaRPr lang="en-US"/>
           </a:p>
@@ -7015,7 +7015,7 @@
           <a:p>
             <a:fld id="{641269E8-56DE-E044-B0E5-B498755A2633}" type="datetime1">
               <a:rPr lang="en-US" smtClean="0"/>
-              <a:t>11/3/2021</a:t>
+              <a:t>11/11/2021</a:t>
             </a:fld>
             <a:endParaRPr lang="en-US"/>
           </a:p>
@@ -7401,7 +7401,7 @@
           <a:p>
             <a:fld id="{219B2A40-E9E6-7E49-9EE5-F8C2FAB652F4}" type="datetime1">
               <a:rPr lang="en-US" smtClean="0"/>
-              <a:t>11/3/2021</a:t>
+              <a:t>11/11/2021</a:t>
             </a:fld>
             <a:endParaRPr lang="en-US"/>
           </a:p>
@@ -7661,7 +7661,7 @@
           <a:p>
             <a:fld id="{08D12B45-3253-4A45-B8F9-2E00FEB0C480}" type="datetime1">
               <a:rPr lang="en-US" smtClean="0"/>
-              <a:t>11/3/2021</a:t>
+              <a:t>11/11/2021</a:t>
             </a:fld>
             <a:endParaRPr lang="en-US"/>
           </a:p>
@@ -10495,9 +10495,10 @@
           <a:lstStyle/>
           <a:p>
             <a:r>
-              <a:rPr lang="en-US" dirty="0"/>
-              <a:t>Definitions for the DTMC project</a:t>
+              <a:rPr lang="en-US"/>
+              <a:t>Definitions</a:t>
             </a:r>
+            <a:endParaRPr lang="en-US" dirty="0"/>
           </a:p>
         </p:txBody>
       </p:sp>
